--- a/Times Internet Conversion Fraud in Digital Ads ML Challenge/Sample_Submission_CG21_hackathon.pptx
+++ b/Times Internet Conversion Fraud in Digital Ads ML Challenge/Sample_Submission_CG21_hackathon.pptx
@@ -123,7 +123,7 @@
   </p:defaultTextStyle>
   <p:extLst>
     <p:ext uri="{EFAFB233-063F-42B5-8137-9DF3F51BA10A}">
-      <p15:sldGuideLst xmlns:p15="http://schemas.microsoft.com/office/powerpoint/2012/main"/>
+      <p15:sldGuideLst xmlns:p15="http://schemas.microsoft.com/office/powerpoint/2012/main" xmlns=""/>
     </p:ext>
   </p:extLst>
 </p:presentation>
@@ -156,7 +156,7 @@
           <p:cNvPr id="2" name="Header Placeholder 1">
             <a:extLst>
               <a:ext uri="{FF2B5EF4-FFF2-40B4-BE49-F238E27FC236}">
-                <a16:creationId xmlns="" xmlns:a16="http://schemas.microsoft.com/office/drawing/2014/main" id="{6C4DF60A-7FEC-4DBF-B493-CC875629EC61}"/>
+                <a16:creationId xmlns:a16="http://schemas.microsoft.com/office/drawing/2014/main" xmlns="" id="{6C4DF60A-7FEC-4DBF-B493-CC875629EC61}"/>
               </a:ext>
             </a:extLst>
           </p:cNvPr>
@@ -193,7 +193,7 @@
           <p:cNvPr id="3" name="Date Placeholder 2">
             <a:extLst>
               <a:ext uri="{FF2B5EF4-FFF2-40B4-BE49-F238E27FC236}">
-                <a16:creationId xmlns="" xmlns:a16="http://schemas.microsoft.com/office/drawing/2014/main" id="{C3A238AF-8D52-46C2-83FD-50DA93CB7DF0}"/>
+                <a16:creationId xmlns:a16="http://schemas.microsoft.com/office/drawing/2014/main" xmlns="" id="{C3A238AF-8D52-46C2-83FD-50DA93CB7DF0}"/>
               </a:ext>
             </a:extLst>
           </p:cNvPr>
@@ -223,7 +223,7 @@
           <a:p>
             <a:fld id="{CDE5CB98-0069-4C9D-8ABD-AB48765DD620}" type="datetimeFigureOut">
               <a:rPr lang="x-none" smtClean="0"/>
-              <a:t>12-04-2021</a:t>
+              <a:t>29-05-2021</a:t>
             </a:fld>
             <a:endParaRPr lang="x-none"/>
           </a:p>
@@ -234,7 +234,7 @@
           <p:cNvPr id="4" name="Footer Placeholder 3">
             <a:extLst>
               <a:ext uri="{FF2B5EF4-FFF2-40B4-BE49-F238E27FC236}">
-                <a16:creationId xmlns="" xmlns:a16="http://schemas.microsoft.com/office/drawing/2014/main" id="{45385FD8-BEF9-40FF-BA74-0A214A37A0E3}"/>
+                <a16:creationId xmlns:a16="http://schemas.microsoft.com/office/drawing/2014/main" xmlns="" id="{45385FD8-BEF9-40FF-BA74-0A214A37A0E3}"/>
               </a:ext>
             </a:extLst>
           </p:cNvPr>
@@ -271,7 +271,7 @@
           <p:cNvPr id="5" name="Slide Number Placeholder 4">
             <a:extLst>
               <a:ext uri="{FF2B5EF4-FFF2-40B4-BE49-F238E27FC236}">
-                <a16:creationId xmlns="" xmlns:a16="http://schemas.microsoft.com/office/drawing/2014/main" id="{E9356B15-0199-4119-9EA4-5F8557889533}"/>
+                <a16:creationId xmlns:a16="http://schemas.microsoft.com/office/drawing/2014/main" xmlns="" id="{E9356B15-0199-4119-9EA4-5F8557889533}"/>
               </a:ext>
             </a:extLst>
           </p:cNvPr>
@@ -401,7 +401,7 @@
           <a:p>
             <a:fld id="{D7E5E058-51DA-4ED6-AE85-AEF3354003AC}" type="datetimeFigureOut">
               <a:rPr lang="x-none" smtClean="0"/>
-              <a:t>12-04-2021</a:t>
+              <a:t>29-05-2021</a:t>
             </a:fld>
             <a:endParaRPr lang="x-none"/>
           </a:p>
@@ -692,7 +692,7 @@
           <p:cNvPr id="2" name="Title 1">
             <a:extLst>
               <a:ext uri="{FF2B5EF4-FFF2-40B4-BE49-F238E27FC236}">
-                <a16:creationId xmlns="" xmlns:a16="http://schemas.microsoft.com/office/drawing/2014/main" id="{969AE6E6-CB58-4988-9CA4-22BB9CA8BECA}"/>
+                <a16:creationId xmlns:a16="http://schemas.microsoft.com/office/drawing/2014/main" xmlns="" id="{969AE6E6-CB58-4988-9CA4-22BB9CA8BECA}"/>
               </a:ext>
             </a:extLst>
           </p:cNvPr>
@@ -730,7 +730,7 @@
           <p:cNvPr id="3" name="Subtitle 2">
             <a:extLst>
               <a:ext uri="{FF2B5EF4-FFF2-40B4-BE49-F238E27FC236}">
-                <a16:creationId xmlns="" xmlns:a16="http://schemas.microsoft.com/office/drawing/2014/main" id="{A8913EEE-ED33-4EC8-A46D-0A34E8982257}"/>
+                <a16:creationId xmlns:a16="http://schemas.microsoft.com/office/drawing/2014/main" xmlns="" id="{A8913EEE-ED33-4EC8-A46D-0A34E8982257}"/>
               </a:ext>
             </a:extLst>
           </p:cNvPr>
@@ -801,7 +801,7 @@
           <p:cNvPr id="4" name="Date Placeholder 3">
             <a:extLst>
               <a:ext uri="{FF2B5EF4-FFF2-40B4-BE49-F238E27FC236}">
-                <a16:creationId xmlns="" xmlns:a16="http://schemas.microsoft.com/office/drawing/2014/main" id="{4CF4A7BE-F4B8-4221-BF15-CF04017C0597}"/>
+                <a16:creationId xmlns:a16="http://schemas.microsoft.com/office/drawing/2014/main" xmlns="" id="{4CF4A7BE-F4B8-4221-BF15-CF04017C0597}"/>
               </a:ext>
             </a:extLst>
           </p:cNvPr>
@@ -819,7 +819,7 @@
           <a:p>
             <a:fld id="{543B8876-8781-4047-8CE5-1D813D7FC77F}" type="datetime8">
               <a:rPr lang="x-none" smtClean="0"/>
-              <a:t>12-04-2021 15:04</a:t>
+              <a:t>29-05-2021 15:35</a:t>
             </a:fld>
             <a:endParaRPr lang="x-none"/>
           </a:p>
@@ -830,7 +830,7 @@
           <p:cNvPr id="5" name="Footer Placeholder 4">
             <a:extLst>
               <a:ext uri="{FF2B5EF4-FFF2-40B4-BE49-F238E27FC236}">
-                <a16:creationId xmlns="" xmlns:a16="http://schemas.microsoft.com/office/drawing/2014/main" id="{CE36BF6F-52B9-4FC1-B995-DE43CEBC3580}"/>
+                <a16:creationId xmlns:a16="http://schemas.microsoft.com/office/drawing/2014/main" xmlns="" id="{CE36BF6F-52B9-4FC1-B995-DE43CEBC3580}"/>
               </a:ext>
             </a:extLst>
           </p:cNvPr>
@@ -855,7 +855,7 @@
           <p:cNvPr id="6" name="Slide Number Placeholder 5">
             <a:extLst>
               <a:ext uri="{FF2B5EF4-FFF2-40B4-BE49-F238E27FC236}">
-                <a16:creationId xmlns="" xmlns:a16="http://schemas.microsoft.com/office/drawing/2014/main" id="{FD080FC4-C3E9-4ED9-B402-A5D0DF558B7B}"/>
+                <a16:creationId xmlns:a16="http://schemas.microsoft.com/office/drawing/2014/main" xmlns="" id="{FD080FC4-C3E9-4ED9-B402-A5D0DF558B7B}"/>
               </a:ext>
             </a:extLst>
           </p:cNvPr>
@@ -914,7 +914,7 @@
           <p:cNvPr id="2" name="Title 1">
             <a:extLst>
               <a:ext uri="{FF2B5EF4-FFF2-40B4-BE49-F238E27FC236}">
-                <a16:creationId xmlns="" xmlns:a16="http://schemas.microsoft.com/office/drawing/2014/main" id="{CFD5C771-A03F-4110-858D-06F1F92DE90C}"/>
+                <a16:creationId xmlns:a16="http://schemas.microsoft.com/office/drawing/2014/main" xmlns="" id="{CFD5C771-A03F-4110-858D-06F1F92DE90C}"/>
               </a:ext>
             </a:extLst>
           </p:cNvPr>
@@ -943,7 +943,7 @@
           <p:cNvPr id="3" name="Vertical Text Placeholder 2">
             <a:extLst>
               <a:ext uri="{FF2B5EF4-FFF2-40B4-BE49-F238E27FC236}">
-                <a16:creationId xmlns="" xmlns:a16="http://schemas.microsoft.com/office/drawing/2014/main" id="{24E39D04-2A95-4215-98E2-5FB1945AAD00}"/>
+                <a16:creationId xmlns:a16="http://schemas.microsoft.com/office/drawing/2014/main" xmlns="" id="{24E39D04-2A95-4215-98E2-5FB1945AAD00}"/>
               </a:ext>
             </a:extLst>
           </p:cNvPr>
@@ -1001,7 +1001,7 @@
           <p:cNvPr id="4" name="Date Placeholder 3">
             <a:extLst>
               <a:ext uri="{FF2B5EF4-FFF2-40B4-BE49-F238E27FC236}">
-                <a16:creationId xmlns="" xmlns:a16="http://schemas.microsoft.com/office/drawing/2014/main" id="{55D25582-0812-4492-B8E3-3A17BDD1E9CA}"/>
+                <a16:creationId xmlns:a16="http://schemas.microsoft.com/office/drawing/2014/main" xmlns="" id="{55D25582-0812-4492-B8E3-3A17BDD1E9CA}"/>
               </a:ext>
             </a:extLst>
           </p:cNvPr>
@@ -1019,7 +1019,7 @@
           <a:p>
             <a:fld id="{5DF7619D-40A3-4EBA-BFBE-A7151DBA219C}" type="datetime8">
               <a:rPr lang="x-none" smtClean="0"/>
-              <a:t>12-04-2021 15:04</a:t>
+              <a:t>29-05-2021 15:35</a:t>
             </a:fld>
             <a:endParaRPr lang="x-none"/>
           </a:p>
@@ -1030,7 +1030,7 @@
           <p:cNvPr id="5" name="Footer Placeholder 4">
             <a:extLst>
               <a:ext uri="{FF2B5EF4-FFF2-40B4-BE49-F238E27FC236}">
-                <a16:creationId xmlns="" xmlns:a16="http://schemas.microsoft.com/office/drawing/2014/main" id="{20EB951C-4225-4F42-A1B8-3DCC02001FE4}"/>
+                <a16:creationId xmlns:a16="http://schemas.microsoft.com/office/drawing/2014/main" xmlns="" id="{20EB951C-4225-4F42-A1B8-3DCC02001FE4}"/>
               </a:ext>
             </a:extLst>
           </p:cNvPr>
@@ -1055,7 +1055,7 @@
           <p:cNvPr id="6" name="Slide Number Placeholder 5">
             <a:extLst>
               <a:ext uri="{FF2B5EF4-FFF2-40B4-BE49-F238E27FC236}">
-                <a16:creationId xmlns="" xmlns:a16="http://schemas.microsoft.com/office/drawing/2014/main" id="{9D5FA705-D18C-42C6-BFB0-8F35DC38DFC5}"/>
+                <a16:creationId xmlns:a16="http://schemas.microsoft.com/office/drawing/2014/main" xmlns="" id="{9D5FA705-D18C-42C6-BFB0-8F35DC38DFC5}"/>
               </a:ext>
             </a:extLst>
           </p:cNvPr>
@@ -1114,7 +1114,7 @@
           <p:cNvPr id="2" name="Vertical Title 1">
             <a:extLst>
               <a:ext uri="{FF2B5EF4-FFF2-40B4-BE49-F238E27FC236}">
-                <a16:creationId xmlns="" xmlns:a16="http://schemas.microsoft.com/office/drawing/2014/main" id="{E8DAA4CC-37ED-496F-8663-D0CF65F6CADB}"/>
+                <a16:creationId xmlns:a16="http://schemas.microsoft.com/office/drawing/2014/main" xmlns="" id="{E8DAA4CC-37ED-496F-8663-D0CF65F6CADB}"/>
               </a:ext>
             </a:extLst>
           </p:cNvPr>
@@ -1148,7 +1148,7 @@
           <p:cNvPr id="3" name="Vertical Text Placeholder 2">
             <a:extLst>
               <a:ext uri="{FF2B5EF4-FFF2-40B4-BE49-F238E27FC236}">
-                <a16:creationId xmlns="" xmlns:a16="http://schemas.microsoft.com/office/drawing/2014/main" id="{67130B48-703A-4183-92D8-099D681EB10D}"/>
+                <a16:creationId xmlns:a16="http://schemas.microsoft.com/office/drawing/2014/main" xmlns="" id="{67130B48-703A-4183-92D8-099D681EB10D}"/>
               </a:ext>
             </a:extLst>
           </p:cNvPr>
@@ -1211,7 +1211,7 @@
           <p:cNvPr id="4" name="Date Placeholder 3">
             <a:extLst>
               <a:ext uri="{FF2B5EF4-FFF2-40B4-BE49-F238E27FC236}">
-                <a16:creationId xmlns="" xmlns:a16="http://schemas.microsoft.com/office/drawing/2014/main" id="{10223FD9-84E7-4F2C-954E-B792149B0434}"/>
+                <a16:creationId xmlns:a16="http://schemas.microsoft.com/office/drawing/2014/main" xmlns="" id="{10223FD9-84E7-4F2C-954E-B792149B0434}"/>
               </a:ext>
             </a:extLst>
           </p:cNvPr>
@@ -1229,7 +1229,7 @@
           <a:p>
             <a:fld id="{FA7BC6A9-4CF0-4EC3-A54E-BA7D4E39DD56}" type="datetime8">
               <a:rPr lang="x-none" smtClean="0"/>
-              <a:t>12-04-2021 15:04</a:t>
+              <a:t>29-05-2021 15:35</a:t>
             </a:fld>
             <a:endParaRPr lang="x-none"/>
           </a:p>
@@ -1240,7 +1240,7 @@
           <p:cNvPr id="5" name="Footer Placeholder 4">
             <a:extLst>
               <a:ext uri="{FF2B5EF4-FFF2-40B4-BE49-F238E27FC236}">
-                <a16:creationId xmlns="" xmlns:a16="http://schemas.microsoft.com/office/drawing/2014/main" id="{215D33B7-22F1-4689-9764-B5B241726B70}"/>
+                <a16:creationId xmlns:a16="http://schemas.microsoft.com/office/drawing/2014/main" xmlns="" id="{215D33B7-22F1-4689-9764-B5B241726B70}"/>
               </a:ext>
             </a:extLst>
           </p:cNvPr>
@@ -1265,7 +1265,7 @@
           <p:cNvPr id="6" name="Slide Number Placeholder 5">
             <a:extLst>
               <a:ext uri="{FF2B5EF4-FFF2-40B4-BE49-F238E27FC236}">
-                <a16:creationId xmlns="" xmlns:a16="http://schemas.microsoft.com/office/drawing/2014/main" id="{C2201E10-F9F1-4AD4-94C3-EE13454ABA0D}"/>
+                <a16:creationId xmlns:a16="http://schemas.microsoft.com/office/drawing/2014/main" xmlns="" id="{C2201E10-F9F1-4AD4-94C3-EE13454ABA0D}"/>
               </a:ext>
             </a:extLst>
           </p:cNvPr>
@@ -1324,7 +1324,7 @@
           <p:cNvPr id="2" name="Title 1">
             <a:extLst>
               <a:ext uri="{FF2B5EF4-FFF2-40B4-BE49-F238E27FC236}">
-                <a16:creationId xmlns="" xmlns:a16="http://schemas.microsoft.com/office/drawing/2014/main" id="{AF6A55A9-607A-4010-AFCF-1A332CAB3BCD}"/>
+                <a16:creationId xmlns:a16="http://schemas.microsoft.com/office/drawing/2014/main" xmlns="" id="{AF6A55A9-607A-4010-AFCF-1A332CAB3BCD}"/>
               </a:ext>
             </a:extLst>
           </p:cNvPr>
@@ -1353,7 +1353,7 @@
           <p:cNvPr id="3" name="Content Placeholder 2">
             <a:extLst>
               <a:ext uri="{FF2B5EF4-FFF2-40B4-BE49-F238E27FC236}">
-                <a16:creationId xmlns="" xmlns:a16="http://schemas.microsoft.com/office/drawing/2014/main" id="{93B42EAD-FE7C-42DA-A87C-1935C426603B}"/>
+                <a16:creationId xmlns:a16="http://schemas.microsoft.com/office/drawing/2014/main" xmlns="" id="{93B42EAD-FE7C-42DA-A87C-1935C426603B}"/>
               </a:ext>
             </a:extLst>
           </p:cNvPr>
@@ -1411,7 +1411,7 @@
           <p:cNvPr id="4" name="Date Placeholder 3">
             <a:extLst>
               <a:ext uri="{FF2B5EF4-FFF2-40B4-BE49-F238E27FC236}">
-                <a16:creationId xmlns="" xmlns:a16="http://schemas.microsoft.com/office/drawing/2014/main" id="{936CA8D3-3B8D-40AE-B97B-57F3F409A432}"/>
+                <a16:creationId xmlns:a16="http://schemas.microsoft.com/office/drawing/2014/main" xmlns="" id="{936CA8D3-3B8D-40AE-B97B-57F3F409A432}"/>
               </a:ext>
             </a:extLst>
           </p:cNvPr>
@@ -1429,7 +1429,7 @@
           <a:p>
             <a:fld id="{B5160B0B-0905-4F80-9B79-6ED48855F355}" type="datetime8">
               <a:rPr lang="x-none" smtClean="0"/>
-              <a:t>12-04-2021 15:04</a:t>
+              <a:t>29-05-2021 15:35</a:t>
             </a:fld>
             <a:endParaRPr lang="x-none"/>
           </a:p>
@@ -1440,7 +1440,7 @@
           <p:cNvPr id="5" name="Footer Placeholder 4">
             <a:extLst>
               <a:ext uri="{FF2B5EF4-FFF2-40B4-BE49-F238E27FC236}">
-                <a16:creationId xmlns="" xmlns:a16="http://schemas.microsoft.com/office/drawing/2014/main" id="{3E304CAC-68FE-4F34-A654-80C0F51FE0BA}"/>
+                <a16:creationId xmlns:a16="http://schemas.microsoft.com/office/drawing/2014/main" xmlns="" id="{3E304CAC-68FE-4F34-A654-80C0F51FE0BA}"/>
               </a:ext>
             </a:extLst>
           </p:cNvPr>
@@ -1465,7 +1465,7 @@
           <p:cNvPr id="6" name="Slide Number Placeholder 5">
             <a:extLst>
               <a:ext uri="{FF2B5EF4-FFF2-40B4-BE49-F238E27FC236}">
-                <a16:creationId xmlns="" xmlns:a16="http://schemas.microsoft.com/office/drawing/2014/main" id="{9356CC07-1438-4C6C-A761-C5D02C5D8B08}"/>
+                <a16:creationId xmlns:a16="http://schemas.microsoft.com/office/drawing/2014/main" xmlns="" id="{9356CC07-1438-4C6C-A761-C5D02C5D8B08}"/>
               </a:ext>
             </a:extLst>
           </p:cNvPr>
@@ -1524,7 +1524,7 @@
           <p:cNvPr id="2" name="Title 1">
             <a:extLst>
               <a:ext uri="{FF2B5EF4-FFF2-40B4-BE49-F238E27FC236}">
-                <a16:creationId xmlns="" xmlns:a16="http://schemas.microsoft.com/office/drawing/2014/main" id="{41F6DD77-7629-4E85-A23D-31D0A7686925}"/>
+                <a16:creationId xmlns:a16="http://schemas.microsoft.com/office/drawing/2014/main" xmlns="" id="{41F6DD77-7629-4E85-A23D-31D0A7686925}"/>
               </a:ext>
             </a:extLst>
           </p:cNvPr>
@@ -1562,7 +1562,7 @@
           <p:cNvPr id="3" name="Text Placeholder 2">
             <a:extLst>
               <a:ext uri="{FF2B5EF4-FFF2-40B4-BE49-F238E27FC236}">
-                <a16:creationId xmlns="" xmlns:a16="http://schemas.microsoft.com/office/drawing/2014/main" id="{1F3CAC1B-178B-4D6C-81AA-E3010612FA60}"/>
+                <a16:creationId xmlns:a16="http://schemas.microsoft.com/office/drawing/2014/main" xmlns="" id="{1F3CAC1B-178B-4D6C-81AA-E3010612FA60}"/>
               </a:ext>
             </a:extLst>
           </p:cNvPr>
@@ -1687,7 +1687,7 @@
           <p:cNvPr id="4" name="Date Placeholder 3">
             <a:extLst>
               <a:ext uri="{FF2B5EF4-FFF2-40B4-BE49-F238E27FC236}">
-                <a16:creationId xmlns="" xmlns:a16="http://schemas.microsoft.com/office/drawing/2014/main" id="{2A6C9CF4-AC97-4C5D-A798-853F45F81997}"/>
+                <a16:creationId xmlns:a16="http://schemas.microsoft.com/office/drawing/2014/main" xmlns="" id="{2A6C9CF4-AC97-4C5D-A798-853F45F81997}"/>
               </a:ext>
             </a:extLst>
           </p:cNvPr>
@@ -1705,7 +1705,7 @@
           <a:p>
             <a:fld id="{F77771E0-D1A0-495A-A685-4E4503F9074D}" type="datetime8">
               <a:rPr lang="x-none" smtClean="0"/>
-              <a:t>12-04-2021 15:04</a:t>
+              <a:t>29-05-2021 15:35</a:t>
             </a:fld>
             <a:endParaRPr lang="x-none"/>
           </a:p>
@@ -1716,7 +1716,7 @@
           <p:cNvPr id="5" name="Footer Placeholder 4">
             <a:extLst>
               <a:ext uri="{FF2B5EF4-FFF2-40B4-BE49-F238E27FC236}">
-                <a16:creationId xmlns="" xmlns:a16="http://schemas.microsoft.com/office/drawing/2014/main" id="{CB67A583-797E-4AF8-8FA4-E7D70A5D1D39}"/>
+                <a16:creationId xmlns:a16="http://schemas.microsoft.com/office/drawing/2014/main" xmlns="" id="{CB67A583-797E-4AF8-8FA4-E7D70A5D1D39}"/>
               </a:ext>
             </a:extLst>
           </p:cNvPr>
@@ -1741,7 +1741,7 @@
           <p:cNvPr id="6" name="Slide Number Placeholder 5">
             <a:extLst>
               <a:ext uri="{FF2B5EF4-FFF2-40B4-BE49-F238E27FC236}">
-                <a16:creationId xmlns="" xmlns:a16="http://schemas.microsoft.com/office/drawing/2014/main" id="{8F03E834-10D1-449A-BCEB-5052A418E09E}"/>
+                <a16:creationId xmlns:a16="http://schemas.microsoft.com/office/drawing/2014/main" xmlns="" id="{8F03E834-10D1-449A-BCEB-5052A418E09E}"/>
               </a:ext>
             </a:extLst>
           </p:cNvPr>
@@ -1800,7 +1800,7 @@
           <p:cNvPr id="2" name="Title 1">
             <a:extLst>
               <a:ext uri="{FF2B5EF4-FFF2-40B4-BE49-F238E27FC236}">
-                <a16:creationId xmlns="" xmlns:a16="http://schemas.microsoft.com/office/drawing/2014/main" id="{3EF3D36A-E1BF-4410-946D-9D65475E1343}"/>
+                <a16:creationId xmlns:a16="http://schemas.microsoft.com/office/drawing/2014/main" xmlns="" id="{3EF3D36A-E1BF-4410-946D-9D65475E1343}"/>
               </a:ext>
             </a:extLst>
           </p:cNvPr>
@@ -1829,7 +1829,7 @@
           <p:cNvPr id="3" name="Content Placeholder 2">
             <a:extLst>
               <a:ext uri="{FF2B5EF4-FFF2-40B4-BE49-F238E27FC236}">
-                <a16:creationId xmlns="" xmlns:a16="http://schemas.microsoft.com/office/drawing/2014/main" id="{E5CD0DD9-C6D5-485F-ADD0-128F51DBA93E}"/>
+                <a16:creationId xmlns:a16="http://schemas.microsoft.com/office/drawing/2014/main" xmlns="" id="{E5CD0DD9-C6D5-485F-ADD0-128F51DBA93E}"/>
               </a:ext>
             </a:extLst>
           </p:cNvPr>
@@ -1892,7 +1892,7 @@
           <p:cNvPr id="4" name="Content Placeholder 3">
             <a:extLst>
               <a:ext uri="{FF2B5EF4-FFF2-40B4-BE49-F238E27FC236}">
-                <a16:creationId xmlns="" xmlns:a16="http://schemas.microsoft.com/office/drawing/2014/main" id="{89049E91-A751-436B-A398-6CDAF7C1A05B}"/>
+                <a16:creationId xmlns:a16="http://schemas.microsoft.com/office/drawing/2014/main" xmlns="" id="{89049E91-A751-436B-A398-6CDAF7C1A05B}"/>
               </a:ext>
             </a:extLst>
           </p:cNvPr>
@@ -1955,7 +1955,7 @@
           <p:cNvPr id="5" name="Date Placeholder 4">
             <a:extLst>
               <a:ext uri="{FF2B5EF4-FFF2-40B4-BE49-F238E27FC236}">
-                <a16:creationId xmlns="" xmlns:a16="http://schemas.microsoft.com/office/drawing/2014/main" id="{A623715A-A7A4-4BFF-B147-AE68F758EB0B}"/>
+                <a16:creationId xmlns:a16="http://schemas.microsoft.com/office/drawing/2014/main" xmlns="" id="{A623715A-A7A4-4BFF-B147-AE68F758EB0B}"/>
               </a:ext>
             </a:extLst>
           </p:cNvPr>
@@ -1973,7 +1973,7 @@
           <a:p>
             <a:fld id="{C98FE287-2B1B-4053-9336-FD8ADED2A25E}" type="datetime8">
               <a:rPr lang="x-none" smtClean="0"/>
-              <a:t>12-04-2021 15:04</a:t>
+              <a:t>29-05-2021 15:35</a:t>
             </a:fld>
             <a:endParaRPr lang="x-none"/>
           </a:p>
@@ -1984,7 +1984,7 @@
           <p:cNvPr id="6" name="Footer Placeholder 5">
             <a:extLst>
               <a:ext uri="{FF2B5EF4-FFF2-40B4-BE49-F238E27FC236}">
-                <a16:creationId xmlns="" xmlns:a16="http://schemas.microsoft.com/office/drawing/2014/main" id="{F83B1DFC-2E2E-480B-BF78-003A72CAA84B}"/>
+                <a16:creationId xmlns:a16="http://schemas.microsoft.com/office/drawing/2014/main" xmlns="" id="{F83B1DFC-2E2E-480B-BF78-003A72CAA84B}"/>
               </a:ext>
             </a:extLst>
           </p:cNvPr>
@@ -2009,7 +2009,7 @@
           <p:cNvPr id="7" name="Slide Number Placeholder 6">
             <a:extLst>
               <a:ext uri="{FF2B5EF4-FFF2-40B4-BE49-F238E27FC236}">
-                <a16:creationId xmlns="" xmlns:a16="http://schemas.microsoft.com/office/drawing/2014/main" id="{F8C15587-CEE6-4E45-AA90-99C15FC813B3}"/>
+                <a16:creationId xmlns:a16="http://schemas.microsoft.com/office/drawing/2014/main" xmlns="" id="{F8C15587-CEE6-4E45-AA90-99C15FC813B3}"/>
               </a:ext>
             </a:extLst>
           </p:cNvPr>
@@ -2068,7 +2068,7 @@
           <p:cNvPr id="2" name="Title 1">
             <a:extLst>
               <a:ext uri="{FF2B5EF4-FFF2-40B4-BE49-F238E27FC236}">
-                <a16:creationId xmlns="" xmlns:a16="http://schemas.microsoft.com/office/drawing/2014/main" id="{32FDC86F-666F-495F-B637-918FDE94D7E1}"/>
+                <a16:creationId xmlns:a16="http://schemas.microsoft.com/office/drawing/2014/main" xmlns="" id="{32FDC86F-666F-495F-B637-918FDE94D7E1}"/>
               </a:ext>
             </a:extLst>
           </p:cNvPr>
@@ -2102,7 +2102,7 @@
           <p:cNvPr id="3" name="Text Placeholder 2">
             <a:extLst>
               <a:ext uri="{FF2B5EF4-FFF2-40B4-BE49-F238E27FC236}">
-                <a16:creationId xmlns="" xmlns:a16="http://schemas.microsoft.com/office/drawing/2014/main" id="{F9CA7C53-C160-47F2-A6F9-ED7AA482232B}"/>
+                <a16:creationId xmlns:a16="http://schemas.microsoft.com/office/drawing/2014/main" xmlns="" id="{F9CA7C53-C160-47F2-A6F9-ED7AA482232B}"/>
               </a:ext>
             </a:extLst>
           </p:cNvPr>
@@ -2173,7 +2173,7 @@
           <p:cNvPr id="4" name="Content Placeholder 3">
             <a:extLst>
               <a:ext uri="{FF2B5EF4-FFF2-40B4-BE49-F238E27FC236}">
-                <a16:creationId xmlns="" xmlns:a16="http://schemas.microsoft.com/office/drawing/2014/main" id="{E6633A26-E76F-49D7-A10A-8E86AF425113}"/>
+                <a16:creationId xmlns:a16="http://schemas.microsoft.com/office/drawing/2014/main" xmlns="" id="{E6633A26-E76F-49D7-A10A-8E86AF425113}"/>
               </a:ext>
             </a:extLst>
           </p:cNvPr>
@@ -2236,7 +2236,7 @@
           <p:cNvPr id="5" name="Text Placeholder 4">
             <a:extLst>
               <a:ext uri="{FF2B5EF4-FFF2-40B4-BE49-F238E27FC236}">
-                <a16:creationId xmlns="" xmlns:a16="http://schemas.microsoft.com/office/drawing/2014/main" id="{CB913B92-8688-4CFC-8E45-6CB45BE7D709}"/>
+                <a16:creationId xmlns:a16="http://schemas.microsoft.com/office/drawing/2014/main" xmlns="" id="{CB913B92-8688-4CFC-8E45-6CB45BE7D709}"/>
               </a:ext>
             </a:extLst>
           </p:cNvPr>
@@ -2307,7 +2307,7 @@
           <p:cNvPr id="6" name="Content Placeholder 5">
             <a:extLst>
               <a:ext uri="{FF2B5EF4-FFF2-40B4-BE49-F238E27FC236}">
-                <a16:creationId xmlns="" xmlns:a16="http://schemas.microsoft.com/office/drawing/2014/main" id="{BB63826B-A942-475A-B40D-F376F09436B0}"/>
+                <a16:creationId xmlns:a16="http://schemas.microsoft.com/office/drawing/2014/main" xmlns="" id="{BB63826B-A942-475A-B40D-F376F09436B0}"/>
               </a:ext>
             </a:extLst>
           </p:cNvPr>
@@ -2370,7 +2370,7 @@
           <p:cNvPr id="7" name="Date Placeholder 6">
             <a:extLst>
               <a:ext uri="{FF2B5EF4-FFF2-40B4-BE49-F238E27FC236}">
-                <a16:creationId xmlns="" xmlns:a16="http://schemas.microsoft.com/office/drawing/2014/main" id="{0D1133CF-6722-4A0F-8786-A6613FB35D9A}"/>
+                <a16:creationId xmlns:a16="http://schemas.microsoft.com/office/drawing/2014/main" xmlns="" id="{0D1133CF-6722-4A0F-8786-A6613FB35D9A}"/>
               </a:ext>
             </a:extLst>
           </p:cNvPr>
@@ -2388,7 +2388,7 @@
           <a:p>
             <a:fld id="{FAFEC031-5F87-4A57-81D2-081FD130CAF5}" type="datetime8">
               <a:rPr lang="x-none" smtClean="0"/>
-              <a:t>12-04-2021 15:04</a:t>
+              <a:t>29-05-2021 15:35</a:t>
             </a:fld>
             <a:endParaRPr lang="x-none"/>
           </a:p>
@@ -2399,7 +2399,7 @@
           <p:cNvPr id="8" name="Footer Placeholder 7">
             <a:extLst>
               <a:ext uri="{FF2B5EF4-FFF2-40B4-BE49-F238E27FC236}">
-                <a16:creationId xmlns="" xmlns:a16="http://schemas.microsoft.com/office/drawing/2014/main" id="{31A35D18-9282-4816-8651-7EF389367546}"/>
+                <a16:creationId xmlns:a16="http://schemas.microsoft.com/office/drawing/2014/main" xmlns="" id="{31A35D18-9282-4816-8651-7EF389367546}"/>
               </a:ext>
             </a:extLst>
           </p:cNvPr>
@@ -2424,7 +2424,7 @@
           <p:cNvPr id="9" name="Slide Number Placeholder 8">
             <a:extLst>
               <a:ext uri="{FF2B5EF4-FFF2-40B4-BE49-F238E27FC236}">
-                <a16:creationId xmlns="" xmlns:a16="http://schemas.microsoft.com/office/drawing/2014/main" id="{E3A9FE59-F99F-4D9D-B91C-157C1092C3AA}"/>
+                <a16:creationId xmlns:a16="http://schemas.microsoft.com/office/drawing/2014/main" xmlns="" id="{E3A9FE59-F99F-4D9D-B91C-157C1092C3AA}"/>
               </a:ext>
             </a:extLst>
           </p:cNvPr>
@@ -2483,7 +2483,7 @@
           <p:cNvPr id="2" name="Title 1">
             <a:extLst>
               <a:ext uri="{FF2B5EF4-FFF2-40B4-BE49-F238E27FC236}">
-                <a16:creationId xmlns="" xmlns:a16="http://schemas.microsoft.com/office/drawing/2014/main" id="{C61F57BA-A04D-45F5-A415-3EAE21E921EB}"/>
+                <a16:creationId xmlns:a16="http://schemas.microsoft.com/office/drawing/2014/main" xmlns="" id="{C61F57BA-A04D-45F5-A415-3EAE21E921EB}"/>
               </a:ext>
             </a:extLst>
           </p:cNvPr>
@@ -2512,7 +2512,7 @@
           <p:cNvPr id="3" name="Date Placeholder 2">
             <a:extLst>
               <a:ext uri="{FF2B5EF4-FFF2-40B4-BE49-F238E27FC236}">
-                <a16:creationId xmlns="" xmlns:a16="http://schemas.microsoft.com/office/drawing/2014/main" id="{BD2C4EED-EAA0-47CA-8ACF-E78DC99DB8DA}"/>
+                <a16:creationId xmlns:a16="http://schemas.microsoft.com/office/drawing/2014/main" xmlns="" id="{BD2C4EED-EAA0-47CA-8ACF-E78DC99DB8DA}"/>
               </a:ext>
             </a:extLst>
           </p:cNvPr>
@@ -2530,7 +2530,7 @@
           <a:p>
             <a:fld id="{6E507422-109C-4C1C-B1EB-63AEC703E02F}" type="datetime8">
               <a:rPr lang="x-none" smtClean="0"/>
-              <a:t>12-04-2021 15:04</a:t>
+              <a:t>29-05-2021 15:35</a:t>
             </a:fld>
             <a:endParaRPr lang="x-none"/>
           </a:p>
@@ -2541,7 +2541,7 @@
           <p:cNvPr id="4" name="Footer Placeholder 3">
             <a:extLst>
               <a:ext uri="{FF2B5EF4-FFF2-40B4-BE49-F238E27FC236}">
-                <a16:creationId xmlns="" xmlns:a16="http://schemas.microsoft.com/office/drawing/2014/main" id="{08A45D35-A8A1-416C-887E-2807DD9DFB8C}"/>
+                <a16:creationId xmlns:a16="http://schemas.microsoft.com/office/drawing/2014/main" xmlns="" id="{08A45D35-A8A1-416C-887E-2807DD9DFB8C}"/>
               </a:ext>
             </a:extLst>
           </p:cNvPr>
@@ -2566,7 +2566,7 @@
           <p:cNvPr id="5" name="Slide Number Placeholder 4">
             <a:extLst>
               <a:ext uri="{FF2B5EF4-FFF2-40B4-BE49-F238E27FC236}">
-                <a16:creationId xmlns="" xmlns:a16="http://schemas.microsoft.com/office/drawing/2014/main" id="{621A50F5-157F-4003-B042-42064AF0AFAE}"/>
+                <a16:creationId xmlns:a16="http://schemas.microsoft.com/office/drawing/2014/main" xmlns="" id="{621A50F5-157F-4003-B042-42064AF0AFAE}"/>
               </a:ext>
             </a:extLst>
           </p:cNvPr>
@@ -2625,7 +2625,7 @@
           <p:cNvPr id="2" name="Date Placeholder 1">
             <a:extLst>
               <a:ext uri="{FF2B5EF4-FFF2-40B4-BE49-F238E27FC236}">
-                <a16:creationId xmlns="" xmlns:a16="http://schemas.microsoft.com/office/drawing/2014/main" id="{E25A9EB5-6732-497A-9A67-9465B2E2E939}"/>
+                <a16:creationId xmlns:a16="http://schemas.microsoft.com/office/drawing/2014/main" xmlns="" id="{E25A9EB5-6732-497A-9A67-9465B2E2E939}"/>
               </a:ext>
             </a:extLst>
           </p:cNvPr>
@@ -2643,7 +2643,7 @@
           <a:p>
             <a:fld id="{AD6B5F6E-A40D-44F4-A146-BD04EAF16D32}" type="datetime8">
               <a:rPr lang="x-none" smtClean="0"/>
-              <a:t>12-04-2021 15:04</a:t>
+              <a:t>29-05-2021 15:35</a:t>
             </a:fld>
             <a:endParaRPr lang="x-none"/>
           </a:p>
@@ -2654,7 +2654,7 @@
           <p:cNvPr id="3" name="Footer Placeholder 2">
             <a:extLst>
               <a:ext uri="{FF2B5EF4-FFF2-40B4-BE49-F238E27FC236}">
-                <a16:creationId xmlns="" xmlns:a16="http://schemas.microsoft.com/office/drawing/2014/main" id="{AB3E9A05-E4B1-486F-AA10-FAB0194354F6}"/>
+                <a16:creationId xmlns:a16="http://schemas.microsoft.com/office/drawing/2014/main" xmlns="" id="{AB3E9A05-E4B1-486F-AA10-FAB0194354F6}"/>
               </a:ext>
             </a:extLst>
           </p:cNvPr>
@@ -2679,7 +2679,7 @@
           <p:cNvPr id="4" name="Slide Number Placeholder 3">
             <a:extLst>
               <a:ext uri="{FF2B5EF4-FFF2-40B4-BE49-F238E27FC236}">
-                <a16:creationId xmlns="" xmlns:a16="http://schemas.microsoft.com/office/drawing/2014/main" id="{15774F33-D9C5-4E70-B4FC-BBF2762854B9}"/>
+                <a16:creationId xmlns:a16="http://schemas.microsoft.com/office/drawing/2014/main" xmlns="" id="{15774F33-D9C5-4E70-B4FC-BBF2762854B9}"/>
               </a:ext>
             </a:extLst>
           </p:cNvPr>
@@ -2738,7 +2738,7 @@
           <p:cNvPr id="2" name="Title 1">
             <a:extLst>
               <a:ext uri="{FF2B5EF4-FFF2-40B4-BE49-F238E27FC236}">
-                <a16:creationId xmlns="" xmlns:a16="http://schemas.microsoft.com/office/drawing/2014/main" id="{AE634D1B-C7AE-4F0A-83D3-0F2A0957D9EC}"/>
+                <a16:creationId xmlns:a16="http://schemas.microsoft.com/office/drawing/2014/main" xmlns="" id="{AE634D1B-C7AE-4F0A-83D3-0F2A0957D9EC}"/>
               </a:ext>
             </a:extLst>
           </p:cNvPr>
@@ -2776,7 +2776,7 @@
           <p:cNvPr id="3" name="Content Placeholder 2">
             <a:extLst>
               <a:ext uri="{FF2B5EF4-FFF2-40B4-BE49-F238E27FC236}">
-                <a16:creationId xmlns="" xmlns:a16="http://schemas.microsoft.com/office/drawing/2014/main" id="{7FD3006C-7E3A-4CBC-B90C-0168B44429D2}"/>
+                <a16:creationId xmlns:a16="http://schemas.microsoft.com/office/drawing/2014/main" xmlns="" id="{7FD3006C-7E3A-4CBC-B90C-0168B44429D2}"/>
               </a:ext>
             </a:extLst>
           </p:cNvPr>
@@ -2867,7 +2867,7 @@
           <p:cNvPr id="4" name="Text Placeholder 3">
             <a:extLst>
               <a:ext uri="{FF2B5EF4-FFF2-40B4-BE49-F238E27FC236}">
-                <a16:creationId xmlns="" xmlns:a16="http://schemas.microsoft.com/office/drawing/2014/main" id="{407F9946-06B9-413F-9D6E-50A5359A9517}"/>
+                <a16:creationId xmlns:a16="http://schemas.microsoft.com/office/drawing/2014/main" xmlns="" id="{407F9946-06B9-413F-9D6E-50A5359A9517}"/>
               </a:ext>
             </a:extLst>
           </p:cNvPr>
@@ -2938,7 +2938,7 @@
           <p:cNvPr id="5" name="Date Placeholder 4">
             <a:extLst>
               <a:ext uri="{FF2B5EF4-FFF2-40B4-BE49-F238E27FC236}">
-                <a16:creationId xmlns="" xmlns:a16="http://schemas.microsoft.com/office/drawing/2014/main" id="{BAB4E568-DF01-4247-B436-67E27A2F9B37}"/>
+                <a16:creationId xmlns:a16="http://schemas.microsoft.com/office/drawing/2014/main" xmlns="" id="{BAB4E568-DF01-4247-B436-67E27A2F9B37}"/>
               </a:ext>
             </a:extLst>
           </p:cNvPr>
@@ -2956,7 +2956,7 @@
           <a:p>
             <a:fld id="{589E83A2-32B4-44C6-94CC-A08A017D02CF}" type="datetime8">
               <a:rPr lang="x-none" smtClean="0"/>
-              <a:t>12-04-2021 15:04</a:t>
+              <a:t>29-05-2021 15:35</a:t>
             </a:fld>
             <a:endParaRPr lang="x-none"/>
           </a:p>
@@ -2967,7 +2967,7 @@
           <p:cNvPr id="6" name="Footer Placeholder 5">
             <a:extLst>
               <a:ext uri="{FF2B5EF4-FFF2-40B4-BE49-F238E27FC236}">
-                <a16:creationId xmlns="" xmlns:a16="http://schemas.microsoft.com/office/drawing/2014/main" id="{B8454900-68D8-43A7-B339-A46262355767}"/>
+                <a16:creationId xmlns:a16="http://schemas.microsoft.com/office/drawing/2014/main" xmlns="" id="{B8454900-68D8-43A7-B339-A46262355767}"/>
               </a:ext>
             </a:extLst>
           </p:cNvPr>
@@ -2992,7 +2992,7 @@
           <p:cNvPr id="7" name="Slide Number Placeholder 6">
             <a:extLst>
               <a:ext uri="{FF2B5EF4-FFF2-40B4-BE49-F238E27FC236}">
-                <a16:creationId xmlns="" xmlns:a16="http://schemas.microsoft.com/office/drawing/2014/main" id="{33A6C59F-FF77-4F5F-9988-67A061A20356}"/>
+                <a16:creationId xmlns:a16="http://schemas.microsoft.com/office/drawing/2014/main" xmlns="" id="{33A6C59F-FF77-4F5F-9988-67A061A20356}"/>
               </a:ext>
             </a:extLst>
           </p:cNvPr>
@@ -3051,7 +3051,7 @@
           <p:cNvPr id="2" name="Title 1">
             <a:extLst>
               <a:ext uri="{FF2B5EF4-FFF2-40B4-BE49-F238E27FC236}">
-                <a16:creationId xmlns="" xmlns:a16="http://schemas.microsoft.com/office/drawing/2014/main" id="{764AF7BD-8BB0-4003-8949-C1C319EDC419}"/>
+                <a16:creationId xmlns:a16="http://schemas.microsoft.com/office/drawing/2014/main" xmlns="" id="{764AF7BD-8BB0-4003-8949-C1C319EDC419}"/>
               </a:ext>
             </a:extLst>
           </p:cNvPr>
@@ -3089,7 +3089,7 @@
           <p:cNvPr id="3" name="Picture Placeholder 2">
             <a:extLst>
               <a:ext uri="{FF2B5EF4-FFF2-40B4-BE49-F238E27FC236}">
-                <a16:creationId xmlns="" xmlns:a16="http://schemas.microsoft.com/office/drawing/2014/main" id="{6FA21727-3C7D-4599-A805-1375718405D7}"/>
+                <a16:creationId xmlns:a16="http://schemas.microsoft.com/office/drawing/2014/main" xmlns="" id="{6FA21727-3C7D-4599-A805-1375718405D7}"/>
               </a:ext>
             </a:extLst>
           </p:cNvPr>
@@ -3156,7 +3156,7 @@
           <p:cNvPr id="4" name="Text Placeholder 3">
             <a:extLst>
               <a:ext uri="{FF2B5EF4-FFF2-40B4-BE49-F238E27FC236}">
-                <a16:creationId xmlns="" xmlns:a16="http://schemas.microsoft.com/office/drawing/2014/main" id="{9EAFD510-FABE-4D9F-B74C-ADB3428A74C2}"/>
+                <a16:creationId xmlns:a16="http://schemas.microsoft.com/office/drawing/2014/main" xmlns="" id="{9EAFD510-FABE-4D9F-B74C-ADB3428A74C2}"/>
               </a:ext>
             </a:extLst>
           </p:cNvPr>
@@ -3227,7 +3227,7 @@
           <p:cNvPr id="5" name="Date Placeholder 4">
             <a:extLst>
               <a:ext uri="{FF2B5EF4-FFF2-40B4-BE49-F238E27FC236}">
-                <a16:creationId xmlns="" xmlns:a16="http://schemas.microsoft.com/office/drawing/2014/main" id="{9C8969E3-7DF2-455E-8EA0-C9DB3E434EE5}"/>
+                <a16:creationId xmlns:a16="http://schemas.microsoft.com/office/drawing/2014/main" xmlns="" id="{9C8969E3-7DF2-455E-8EA0-C9DB3E434EE5}"/>
               </a:ext>
             </a:extLst>
           </p:cNvPr>
@@ -3245,7 +3245,7 @@
           <a:p>
             <a:fld id="{D9028CC8-D893-4944-A0C0-4475208982C3}" type="datetime8">
               <a:rPr lang="x-none" smtClean="0"/>
-              <a:t>12-04-2021 15:04</a:t>
+              <a:t>29-05-2021 15:35</a:t>
             </a:fld>
             <a:endParaRPr lang="x-none"/>
           </a:p>
@@ -3256,7 +3256,7 @@
           <p:cNvPr id="6" name="Footer Placeholder 5">
             <a:extLst>
               <a:ext uri="{FF2B5EF4-FFF2-40B4-BE49-F238E27FC236}">
-                <a16:creationId xmlns="" xmlns:a16="http://schemas.microsoft.com/office/drawing/2014/main" id="{B98DBF98-C762-4B47-8ED2-2AAE62D52106}"/>
+                <a16:creationId xmlns:a16="http://schemas.microsoft.com/office/drawing/2014/main" xmlns="" id="{B98DBF98-C762-4B47-8ED2-2AAE62D52106}"/>
               </a:ext>
             </a:extLst>
           </p:cNvPr>
@@ -3281,7 +3281,7 @@
           <p:cNvPr id="7" name="Slide Number Placeholder 6">
             <a:extLst>
               <a:ext uri="{FF2B5EF4-FFF2-40B4-BE49-F238E27FC236}">
-                <a16:creationId xmlns="" xmlns:a16="http://schemas.microsoft.com/office/drawing/2014/main" id="{03E66828-61FA-4516-A8D6-63930075185D}"/>
+                <a16:creationId xmlns:a16="http://schemas.microsoft.com/office/drawing/2014/main" xmlns="" id="{03E66828-61FA-4516-A8D6-63930075185D}"/>
               </a:ext>
             </a:extLst>
           </p:cNvPr>
@@ -3345,7 +3345,7 @@
           <p:cNvPr id="2" name="Title Placeholder 1">
             <a:extLst>
               <a:ext uri="{FF2B5EF4-FFF2-40B4-BE49-F238E27FC236}">
-                <a16:creationId xmlns="" xmlns:a16="http://schemas.microsoft.com/office/drawing/2014/main" id="{5526D27D-4C0D-4524-A18C-17CFE5D69EF2}"/>
+                <a16:creationId xmlns:a16="http://schemas.microsoft.com/office/drawing/2014/main" xmlns="" id="{5526D27D-4C0D-4524-A18C-17CFE5D69EF2}"/>
               </a:ext>
             </a:extLst>
           </p:cNvPr>
@@ -3384,7 +3384,7 @@
           <p:cNvPr id="3" name="Text Placeholder 2">
             <a:extLst>
               <a:ext uri="{FF2B5EF4-FFF2-40B4-BE49-F238E27FC236}">
-                <a16:creationId xmlns="" xmlns:a16="http://schemas.microsoft.com/office/drawing/2014/main" id="{92F0BFC7-4EA1-43CD-AE4C-BF377365DCAE}"/>
+                <a16:creationId xmlns:a16="http://schemas.microsoft.com/office/drawing/2014/main" xmlns="" id="{92F0BFC7-4EA1-43CD-AE4C-BF377365DCAE}"/>
               </a:ext>
             </a:extLst>
           </p:cNvPr>
@@ -3452,7 +3452,7 @@
           <p:cNvPr id="4" name="Date Placeholder 3">
             <a:extLst>
               <a:ext uri="{FF2B5EF4-FFF2-40B4-BE49-F238E27FC236}">
-                <a16:creationId xmlns="" xmlns:a16="http://schemas.microsoft.com/office/drawing/2014/main" id="{9C24334D-C845-4D75-B3B4-25CDAB562614}"/>
+                <a16:creationId xmlns:a16="http://schemas.microsoft.com/office/drawing/2014/main" xmlns="" id="{9C24334D-C845-4D75-B3B4-25CDAB562614}"/>
               </a:ext>
             </a:extLst>
           </p:cNvPr>
@@ -3488,7 +3488,7 @@
           <a:p>
             <a:fld id="{F828E01B-D182-46E2-8D8F-B81C922CC6F0}" type="datetime8">
               <a:rPr lang="x-none" smtClean="0"/>
-              <a:t>12-04-2021 15:04</a:t>
+              <a:t>29-05-2021 15:35</a:t>
             </a:fld>
             <a:endParaRPr lang="x-none"/>
           </a:p>
@@ -3499,7 +3499,7 @@
           <p:cNvPr id="5" name="Footer Placeholder 4">
             <a:extLst>
               <a:ext uri="{FF2B5EF4-FFF2-40B4-BE49-F238E27FC236}">
-                <a16:creationId xmlns="" xmlns:a16="http://schemas.microsoft.com/office/drawing/2014/main" id="{62C55E8E-2F2E-431B-B8AC-93F3D3673397}"/>
+                <a16:creationId xmlns:a16="http://schemas.microsoft.com/office/drawing/2014/main" xmlns="" id="{62C55E8E-2F2E-431B-B8AC-93F3D3673397}"/>
               </a:ext>
             </a:extLst>
           </p:cNvPr>
@@ -3542,7 +3542,7 @@
           <p:cNvPr id="6" name="Slide Number Placeholder 5">
             <a:extLst>
               <a:ext uri="{FF2B5EF4-FFF2-40B4-BE49-F238E27FC236}">
-                <a16:creationId xmlns="" xmlns:a16="http://schemas.microsoft.com/office/drawing/2014/main" id="{AF0BC0C1-396D-4D3B-8DB2-178FC26E7F93}"/>
+                <a16:creationId xmlns:a16="http://schemas.microsoft.com/office/drawing/2014/main" xmlns="" id="{AF0BC0C1-396D-4D3B-8DB2-178FC26E7F93}"/>
               </a:ext>
             </a:extLst>
           </p:cNvPr>
@@ -3911,7 +3911,7 @@
           <p:cNvPr id="2" name="Title 1">
             <a:extLst>
               <a:ext uri="{FF2B5EF4-FFF2-40B4-BE49-F238E27FC236}">
-                <a16:creationId xmlns="" xmlns:a16="http://schemas.microsoft.com/office/drawing/2014/main" id="{B426840B-9D3C-47BE-826E-9F7D2C3535D8}"/>
+                <a16:creationId xmlns:a16="http://schemas.microsoft.com/office/drawing/2014/main" xmlns="" id="{B426840B-9D3C-47BE-826E-9F7D2C3535D8}"/>
               </a:ext>
             </a:extLst>
           </p:cNvPr>
@@ -3928,15 +3928,19 @@
           <a:lstStyle/>
           <a:p>
             <a:r>
-              <a:rPr lang="en-US" dirty="0"/>
+              <a:rPr lang="en-US" dirty="0" smtClean="0"/>
               <a:t>&lt;</a:t>
             </a:r>
             <a:r>
-              <a:rPr lang="en-US" dirty="0" err="1"/>
-              <a:t>Team_Name</a:t>
-            </a:r>
-            <a:r>
-              <a:rPr lang="en-US" dirty="0"/>
+              <a:rPr lang="en-US" dirty="0" err="1" smtClean="0"/>
+              <a:t>Desi</a:t>
+            </a:r>
+            <a:r>
+              <a:rPr lang="en-US" dirty="0" err="1" smtClean="0"/>
+              <a:t>_croissants</a:t>
+            </a:r>
+            <a:r>
+              <a:rPr lang="en-US" dirty="0" smtClean="0"/>
               <a:t>&gt;</a:t>
             </a:r>
             <a:endParaRPr lang="x-none" dirty="0"/>
@@ -3948,7 +3952,7 @@
           <p:cNvPr id="3" name="Subtitle 2">
             <a:extLst>
               <a:ext uri="{FF2B5EF4-FFF2-40B4-BE49-F238E27FC236}">
-                <a16:creationId xmlns="" xmlns:a16="http://schemas.microsoft.com/office/drawing/2014/main" id="{300E4B0D-9B9A-416F-A841-277DA50ECDC5}"/>
+                <a16:creationId xmlns:a16="http://schemas.microsoft.com/office/drawing/2014/main" xmlns="" id="{300E4B0D-9B9A-416F-A841-277DA50ECDC5}"/>
               </a:ext>
             </a:extLst>
           </p:cNvPr>
@@ -3967,10 +3971,6 @@
             <a:r>
               <a:rPr lang="en-US" dirty="0" smtClean="0"/>
               <a:t>Machine Learning</a:t>
-            </a:r>
-            <a:r>
-              <a:rPr lang="en-US" dirty="0" smtClean="0"/>
-              <a:t/>
             </a:r>
             <a:br>
               <a:rPr lang="en-US" dirty="0" smtClean="0"/>
@@ -4056,7 +4056,7 @@
           <p:cNvPr id="2" name="Title 1">
             <a:extLst>
               <a:ext uri="{FF2B5EF4-FFF2-40B4-BE49-F238E27FC236}">
-                <a16:creationId xmlns="" xmlns:a16="http://schemas.microsoft.com/office/drawing/2014/main" id="{BD13EB1C-7B6B-4D07-AF79-AF0F1FB29BDA}"/>
+                <a16:creationId xmlns:a16="http://schemas.microsoft.com/office/drawing/2014/main" xmlns="" id="{BD13EB1C-7B6B-4D07-AF79-AF0F1FB29BDA}"/>
               </a:ext>
             </a:extLst>
           </p:cNvPr>
@@ -4092,7 +4092,7 @@
           <p:cNvPr id="4" name="Slide Number Placeholder 3">
             <a:extLst>
               <a:ext uri="{FF2B5EF4-FFF2-40B4-BE49-F238E27FC236}">
-                <a16:creationId xmlns="" xmlns:a16="http://schemas.microsoft.com/office/drawing/2014/main" id="{ED112E45-08B5-4810-AA0F-3DDD82E887C1}"/>
+                <a16:creationId xmlns:a16="http://schemas.microsoft.com/office/drawing/2014/main" xmlns="" id="{ED112E45-08B5-4810-AA0F-3DDD82E887C1}"/>
               </a:ext>
             </a:extLst>
           </p:cNvPr>
@@ -4181,7 +4181,7 @@
           <p:cNvPr id="2" name="Title 1">
             <a:extLst>
               <a:ext uri="{FF2B5EF4-FFF2-40B4-BE49-F238E27FC236}">
-                <a16:creationId xmlns="" xmlns:a16="http://schemas.microsoft.com/office/drawing/2014/main" id="{BD13EB1C-7B6B-4D07-AF79-AF0F1FB29BDA}"/>
+                <a16:creationId xmlns:a16="http://schemas.microsoft.com/office/drawing/2014/main" xmlns="" id="{BD13EB1C-7B6B-4D07-AF79-AF0F1FB29BDA}"/>
               </a:ext>
             </a:extLst>
           </p:cNvPr>
@@ -4217,7 +4217,7 @@
           <p:cNvPr id="4" name="Slide Number Placeholder 3">
             <a:extLst>
               <a:ext uri="{FF2B5EF4-FFF2-40B4-BE49-F238E27FC236}">
-                <a16:creationId xmlns="" xmlns:a16="http://schemas.microsoft.com/office/drawing/2014/main" id="{ED112E45-08B5-4810-AA0F-3DDD82E887C1}"/>
+                <a16:creationId xmlns:a16="http://schemas.microsoft.com/office/drawing/2014/main" xmlns="" id="{ED112E45-08B5-4810-AA0F-3DDD82E887C1}"/>
               </a:ext>
             </a:extLst>
           </p:cNvPr>
@@ -4306,7 +4306,7 @@
           <p:cNvPr id="2" name="Title 1">
             <a:extLst>
               <a:ext uri="{FF2B5EF4-FFF2-40B4-BE49-F238E27FC236}">
-                <a16:creationId xmlns="" xmlns:a16="http://schemas.microsoft.com/office/drawing/2014/main" id="{1779BDB0-0623-40E9-B781-44E6D411EFB4}"/>
+                <a16:creationId xmlns:a16="http://schemas.microsoft.com/office/drawing/2014/main" xmlns="" id="{1779BDB0-0623-40E9-B781-44E6D411EFB4}"/>
               </a:ext>
             </a:extLst>
           </p:cNvPr>
@@ -4335,7 +4335,7 @@
           <p:cNvPr id="3" name="Content Placeholder 2">
             <a:extLst>
               <a:ext uri="{FF2B5EF4-FFF2-40B4-BE49-F238E27FC236}">
-                <a16:creationId xmlns="" xmlns:a16="http://schemas.microsoft.com/office/drawing/2014/main" id="{ABAB2B9B-CA20-4EAC-A3AB-8F8EE5B74611}"/>
+                <a16:creationId xmlns:a16="http://schemas.microsoft.com/office/drawing/2014/main" xmlns="" id="{ABAB2B9B-CA20-4EAC-A3AB-8F8EE5B74611}"/>
               </a:ext>
             </a:extLst>
           </p:cNvPr>
@@ -4364,7 +4364,7 @@
           <p:cNvPr id="4" name="Slide Number Placeholder 3">
             <a:extLst>
               <a:ext uri="{FF2B5EF4-FFF2-40B4-BE49-F238E27FC236}">
-                <a16:creationId xmlns="" xmlns:a16="http://schemas.microsoft.com/office/drawing/2014/main" id="{130709BF-4E90-4F76-97D9-AC71C1A4E636}"/>
+                <a16:creationId xmlns:a16="http://schemas.microsoft.com/office/drawing/2014/main" xmlns="" id="{130709BF-4E90-4F76-97D9-AC71C1A4E636}"/>
               </a:ext>
             </a:extLst>
           </p:cNvPr>
@@ -4453,7 +4453,7 @@
           <p:cNvPr id="2" name="Title 1">
             <a:extLst>
               <a:ext uri="{FF2B5EF4-FFF2-40B4-BE49-F238E27FC236}">
-                <a16:creationId xmlns="" xmlns:a16="http://schemas.microsoft.com/office/drawing/2014/main" id="{30D51EBC-2799-4C1C-A24F-7995EDD4675E}"/>
+                <a16:creationId xmlns:a16="http://schemas.microsoft.com/office/drawing/2014/main" xmlns="" id="{30D51EBC-2799-4C1C-A24F-7995EDD4675E}"/>
               </a:ext>
             </a:extLst>
           </p:cNvPr>
@@ -4482,7 +4482,7 @@
           <p:cNvPr id="3" name="Content Placeholder 2">
             <a:extLst>
               <a:ext uri="{FF2B5EF4-FFF2-40B4-BE49-F238E27FC236}">
-                <a16:creationId xmlns="" xmlns:a16="http://schemas.microsoft.com/office/drawing/2014/main" id="{7751106A-FFE4-4DC4-803A-89C56BEB1763}"/>
+                <a16:creationId xmlns:a16="http://schemas.microsoft.com/office/drawing/2014/main" xmlns="" id="{7751106A-FFE4-4DC4-803A-89C56BEB1763}"/>
               </a:ext>
             </a:extLst>
           </p:cNvPr>
@@ -4507,7 +4507,7 @@
           <p:cNvPr id="4" name="Slide Number Placeholder 3">
             <a:extLst>
               <a:ext uri="{FF2B5EF4-FFF2-40B4-BE49-F238E27FC236}">
-                <a16:creationId xmlns="" xmlns:a16="http://schemas.microsoft.com/office/drawing/2014/main" id="{517CD00A-D786-4F8B-8CB6-6246C268993A}"/>
+                <a16:creationId xmlns:a16="http://schemas.microsoft.com/office/drawing/2014/main" xmlns="" id="{517CD00A-D786-4F8B-8CB6-6246C268993A}"/>
               </a:ext>
             </a:extLst>
           </p:cNvPr>
@@ -4596,7 +4596,7 @@
           <p:cNvPr id="2" name="Title 1">
             <a:extLst>
               <a:ext uri="{FF2B5EF4-FFF2-40B4-BE49-F238E27FC236}">
-                <a16:creationId xmlns="" xmlns:a16="http://schemas.microsoft.com/office/drawing/2014/main" id="{D914CD34-AA6B-4345-B4CB-4E0197C1980B}"/>
+                <a16:creationId xmlns:a16="http://schemas.microsoft.com/office/drawing/2014/main" xmlns="" id="{D914CD34-AA6B-4345-B4CB-4E0197C1980B}"/>
               </a:ext>
             </a:extLst>
           </p:cNvPr>
@@ -4625,7 +4625,7 @@
           <p:cNvPr id="3" name="Content Placeholder 2">
             <a:extLst>
               <a:ext uri="{FF2B5EF4-FFF2-40B4-BE49-F238E27FC236}">
-                <a16:creationId xmlns="" xmlns:a16="http://schemas.microsoft.com/office/drawing/2014/main" id="{F5D4F868-2A8C-439A-848A-408C2E7A3842}"/>
+                <a16:creationId xmlns:a16="http://schemas.microsoft.com/office/drawing/2014/main" xmlns="" id="{F5D4F868-2A8C-439A-848A-408C2E7A3842}"/>
               </a:ext>
             </a:extLst>
           </p:cNvPr>
@@ -4654,7 +4654,7 @@
           <p:cNvPr id="4" name="Slide Number Placeholder 3">
             <a:extLst>
               <a:ext uri="{FF2B5EF4-FFF2-40B4-BE49-F238E27FC236}">
-                <a16:creationId xmlns="" xmlns:a16="http://schemas.microsoft.com/office/drawing/2014/main" id="{1E4D56F0-C698-4129-90D7-3C393655CF08}"/>
+                <a16:creationId xmlns:a16="http://schemas.microsoft.com/office/drawing/2014/main" xmlns="" id="{1E4D56F0-C698-4129-90D7-3C393655CF08}"/>
               </a:ext>
             </a:extLst>
           </p:cNvPr>
@@ -4743,7 +4743,7 @@
           <p:cNvPr id="2" name="Title 1">
             <a:extLst>
               <a:ext uri="{FF2B5EF4-FFF2-40B4-BE49-F238E27FC236}">
-                <a16:creationId xmlns="" xmlns:a16="http://schemas.microsoft.com/office/drawing/2014/main" id="{A5236F04-B3EF-4A32-829D-784D1539C9FE}"/>
+                <a16:creationId xmlns:a16="http://schemas.microsoft.com/office/drawing/2014/main" xmlns="" id="{A5236F04-B3EF-4A32-829D-784D1539C9FE}"/>
               </a:ext>
             </a:extLst>
           </p:cNvPr>
@@ -4772,7 +4772,7 @@
           <p:cNvPr id="3" name="Content Placeholder 2">
             <a:extLst>
               <a:ext uri="{FF2B5EF4-FFF2-40B4-BE49-F238E27FC236}">
-                <a16:creationId xmlns="" xmlns:a16="http://schemas.microsoft.com/office/drawing/2014/main" id="{C12DA82B-875F-43C1-A314-468D7B322B2E}"/>
+                <a16:creationId xmlns:a16="http://schemas.microsoft.com/office/drawing/2014/main" xmlns="" id="{C12DA82B-875F-43C1-A314-468D7B322B2E}"/>
               </a:ext>
             </a:extLst>
           </p:cNvPr>
@@ -4807,7 +4807,7 @@
           <p:cNvPr id="4" name="Slide Number Placeholder 3">
             <a:extLst>
               <a:ext uri="{FF2B5EF4-FFF2-40B4-BE49-F238E27FC236}">
-                <a16:creationId xmlns="" xmlns:a16="http://schemas.microsoft.com/office/drawing/2014/main" id="{ADB3CEA3-3918-4F21-8043-C7B0B13D89C6}"/>
+                <a16:creationId xmlns:a16="http://schemas.microsoft.com/office/drawing/2014/main" xmlns="" id="{ADB3CEA3-3918-4F21-8043-C7B0B13D89C6}"/>
               </a:ext>
             </a:extLst>
           </p:cNvPr>
@@ -4896,7 +4896,7 @@
           <p:cNvPr id="2" name="Title 1">
             <a:extLst>
               <a:ext uri="{FF2B5EF4-FFF2-40B4-BE49-F238E27FC236}">
-                <a16:creationId xmlns="" xmlns:a16="http://schemas.microsoft.com/office/drawing/2014/main" id="{B3E78310-F236-4657-9AA4-0596BCC909CD}"/>
+                <a16:creationId xmlns:a16="http://schemas.microsoft.com/office/drawing/2014/main" xmlns="" id="{B3E78310-F236-4657-9AA4-0596BCC909CD}"/>
               </a:ext>
             </a:extLst>
           </p:cNvPr>
@@ -4925,7 +4925,7 @@
           <p:cNvPr id="3" name="Content Placeholder 2">
             <a:extLst>
               <a:ext uri="{FF2B5EF4-FFF2-40B4-BE49-F238E27FC236}">
-                <a16:creationId xmlns="" xmlns:a16="http://schemas.microsoft.com/office/drawing/2014/main" id="{5BF884F5-5AD8-4A52-BC8D-5E653C44E65B}"/>
+                <a16:creationId xmlns:a16="http://schemas.microsoft.com/office/drawing/2014/main" xmlns="" id="{5BF884F5-5AD8-4A52-BC8D-5E653C44E65B}"/>
               </a:ext>
             </a:extLst>
           </p:cNvPr>
@@ -4960,7 +4960,7 @@
           <p:cNvPr id="4" name="Slide Number Placeholder 3">
             <a:extLst>
               <a:ext uri="{FF2B5EF4-FFF2-40B4-BE49-F238E27FC236}">
-                <a16:creationId xmlns="" xmlns:a16="http://schemas.microsoft.com/office/drawing/2014/main" id="{145FA464-2810-402A-A0D5-84C355C1D18A}"/>
+                <a16:creationId xmlns:a16="http://schemas.microsoft.com/office/drawing/2014/main" xmlns="" id="{145FA464-2810-402A-A0D5-84C355C1D18A}"/>
               </a:ext>
             </a:extLst>
           </p:cNvPr>
@@ -5049,7 +5049,7 @@
           <p:cNvPr id="2" name="Title 1">
             <a:extLst>
               <a:ext uri="{FF2B5EF4-FFF2-40B4-BE49-F238E27FC236}">
-                <a16:creationId xmlns="" xmlns:a16="http://schemas.microsoft.com/office/drawing/2014/main" id="{1CD13099-E04D-441D-B8EA-8C0E6789C013}"/>
+                <a16:creationId xmlns:a16="http://schemas.microsoft.com/office/drawing/2014/main" xmlns="" id="{1CD13099-E04D-441D-B8EA-8C0E6789C013}"/>
               </a:ext>
             </a:extLst>
           </p:cNvPr>
@@ -5078,7 +5078,7 @@
           <p:cNvPr id="3" name="Content Placeholder 2">
             <a:extLst>
               <a:ext uri="{FF2B5EF4-FFF2-40B4-BE49-F238E27FC236}">
-                <a16:creationId xmlns="" xmlns:a16="http://schemas.microsoft.com/office/drawing/2014/main" id="{EE3B89A6-5AF4-4352-9CAA-C2416E458B02}"/>
+                <a16:creationId xmlns:a16="http://schemas.microsoft.com/office/drawing/2014/main" xmlns="" id="{EE3B89A6-5AF4-4352-9CAA-C2416E458B02}"/>
               </a:ext>
             </a:extLst>
           </p:cNvPr>
@@ -5107,7 +5107,7 @@
           <p:cNvPr id="4" name="Slide Number Placeholder 3">
             <a:extLst>
               <a:ext uri="{FF2B5EF4-FFF2-40B4-BE49-F238E27FC236}">
-                <a16:creationId xmlns="" xmlns:a16="http://schemas.microsoft.com/office/drawing/2014/main" id="{24491377-23EC-4EFC-AD34-95CA432F6E44}"/>
+                <a16:creationId xmlns:a16="http://schemas.microsoft.com/office/drawing/2014/main" xmlns="" id="{24491377-23EC-4EFC-AD34-95CA432F6E44}"/>
               </a:ext>
             </a:extLst>
           </p:cNvPr>
@@ -5196,7 +5196,7 @@
           <p:cNvPr id="2" name="Title 1">
             <a:extLst>
               <a:ext uri="{FF2B5EF4-FFF2-40B4-BE49-F238E27FC236}">
-                <a16:creationId xmlns="" xmlns:a16="http://schemas.microsoft.com/office/drawing/2014/main" id="{FE1401C1-B4D1-4DB1-8423-84A5863BEF30}"/>
+                <a16:creationId xmlns:a16="http://schemas.microsoft.com/office/drawing/2014/main" xmlns="" id="{FE1401C1-B4D1-4DB1-8423-84A5863BEF30}"/>
               </a:ext>
             </a:extLst>
           </p:cNvPr>
@@ -5225,7 +5225,7 @@
           <p:cNvPr id="3" name="Content Placeholder 2">
             <a:extLst>
               <a:ext uri="{FF2B5EF4-FFF2-40B4-BE49-F238E27FC236}">
-                <a16:creationId xmlns="" xmlns:a16="http://schemas.microsoft.com/office/drawing/2014/main" id="{F3BCB68E-A995-4B03-A068-DCE5C88FF8F5}"/>
+                <a16:creationId xmlns:a16="http://schemas.microsoft.com/office/drawing/2014/main" xmlns="" id="{F3BCB68E-A995-4B03-A068-DCE5C88FF8F5}"/>
               </a:ext>
             </a:extLst>
           </p:cNvPr>
@@ -5260,7 +5260,7 @@
           <p:cNvPr id="4" name="Slide Number Placeholder 3">
             <a:extLst>
               <a:ext uri="{FF2B5EF4-FFF2-40B4-BE49-F238E27FC236}">
-                <a16:creationId xmlns="" xmlns:a16="http://schemas.microsoft.com/office/drawing/2014/main" id="{3316F4E0-730A-4FEE-9017-EE74B1C06734}"/>
+                <a16:creationId xmlns:a16="http://schemas.microsoft.com/office/drawing/2014/main" xmlns="" id="{3316F4E0-730A-4FEE-9017-EE74B1C06734}"/>
               </a:ext>
             </a:extLst>
           </p:cNvPr>
@@ -5349,7 +5349,7 @@
           <p:cNvPr id="2" name="Title 1">
             <a:extLst>
               <a:ext uri="{FF2B5EF4-FFF2-40B4-BE49-F238E27FC236}">
-                <a16:creationId xmlns="" xmlns:a16="http://schemas.microsoft.com/office/drawing/2014/main" id="{E5733507-1028-4928-8FB9-A7366B2C747F}"/>
+                <a16:creationId xmlns:a16="http://schemas.microsoft.com/office/drawing/2014/main" xmlns="" id="{E5733507-1028-4928-8FB9-A7366B2C747F}"/>
               </a:ext>
             </a:extLst>
           </p:cNvPr>
@@ -5378,7 +5378,7 @@
           <p:cNvPr id="3" name="Content Placeholder 2">
             <a:extLst>
               <a:ext uri="{FF2B5EF4-FFF2-40B4-BE49-F238E27FC236}">
-                <a16:creationId xmlns="" xmlns:a16="http://schemas.microsoft.com/office/drawing/2014/main" id="{9274E82F-AD04-4663-8AF1-82150FCD49E9}"/>
+                <a16:creationId xmlns:a16="http://schemas.microsoft.com/office/drawing/2014/main" xmlns="" id="{9274E82F-AD04-4663-8AF1-82150FCD49E9}"/>
               </a:ext>
             </a:extLst>
           </p:cNvPr>
@@ -5407,7 +5407,7 @@
           <p:cNvPr id="4" name="Slide Number Placeholder 3">
             <a:extLst>
               <a:ext uri="{FF2B5EF4-FFF2-40B4-BE49-F238E27FC236}">
-                <a16:creationId xmlns="" xmlns:a16="http://schemas.microsoft.com/office/drawing/2014/main" id="{A7BF33F6-04AF-4BD5-BA06-EC3DCE9FA6F7}"/>
+                <a16:creationId xmlns:a16="http://schemas.microsoft.com/office/drawing/2014/main" xmlns="" id="{A7BF33F6-04AF-4BD5-BA06-EC3DCE9FA6F7}"/>
               </a:ext>
             </a:extLst>
           </p:cNvPr>
@@ -5496,7 +5496,7 @@
           <p:cNvPr id="2" name="Title 1">
             <a:extLst>
               <a:ext uri="{FF2B5EF4-FFF2-40B4-BE49-F238E27FC236}">
-                <a16:creationId xmlns="" xmlns:a16="http://schemas.microsoft.com/office/drawing/2014/main" id="{65C53FE3-88DE-436A-943C-1F682046B18F}"/>
+                <a16:creationId xmlns:a16="http://schemas.microsoft.com/office/drawing/2014/main" xmlns="" id="{65C53FE3-88DE-436A-943C-1F682046B18F}"/>
               </a:ext>
             </a:extLst>
           </p:cNvPr>
@@ -5525,7 +5525,7 @@
           <p:cNvPr id="3" name="Content Placeholder 2">
             <a:extLst>
               <a:ext uri="{FF2B5EF4-FFF2-40B4-BE49-F238E27FC236}">
-                <a16:creationId xmlns="" xmlns:a16="http://schemas.microsoft.com/office/drawing/2014/main" id="{4EECA076-E7D0-4584-8053-209F8D6A1193}"/>
+                <a16:creationId xmlns:a16="http://schemas.microsoft.com/office/drawing/2014/main" xmlns="" id="{4EECA076-E7D0-4584-8053-209F8D6A1193}"/>
               </a:ext>
             </a:extLst>
           </p:cNvPr>
@@ -5554,7 +5554,7 @@
           <p:cNvPr id="4" name="Slide Number Placeholder 3">
             <a:extLst>
               <a:ext uri="{FF2B5EF4-FFF2-40B4-BE49-F238E27FC236}">
-                <a16:creationId xmlns="" xmlns:a16="http://schemas.microsoft.com/office/drawing/2014/main" id="{0B927371-4A9C-4D27-8738-D44DD20DDA88}"/>
+                <a16:creationId xmlns:a16="http://schemas.microsoft.com/office/drawing/2014/main" xmlns="" id="{0B927371-4A9C-4D27-8738-D44DD20DDA88}"/>
               </a:ext>
             </a:extLst>
           </p:cNvPr>
@@ -5664,7 +5664,7 @@
     </a:clrScheme>
     <a:fontScheme name="Office">
       <a:majorFont>
-        <a:latin typeface="Calibri Light" panose="020F0302020204030204"/>
+        <a:latin typeface="Calibri Light"/>
         <a:ea typeface=""/>
         <a:cs typeface=""/>
         <a:font script="Jpan" typeface="游ゴシック Light"/>
@@ -5716,7 +5716,7 @@
         <a:font script="Tfng" typeface="Ebrima"/>
       </a:majorFont>
       <a:minorFont>
-        <a:latin typeface="Calibri" panose="020F0502020204030204"/>
+        <a:latin typeface="Calibri"/>
         <a:ea typeface=""/>
         <a:cs typeface=""/>
         <a:font script="Jpan" typeface="游ゴシック"/>
@@ -5910,7 +5910,7 @@
   <a:extraClrSchemeLst/>
   <a:extLst>
     <a:ext uri="{05A4C25C-085E-4340-85A3-A5531E510DB2}">
-      <thm15:themeFamily xmlns:thm15="http://schemas.microsoft.com/office/thememl/2012/main" name="Office Theme" id="{62F939B6-93AF-4DB8-9C6B-D6C7DFDC589F}" vid="{4A3C46E8-61CC-4603-A589-7422A47A8E4A}"/>
+      <thm15:themeFamily xmlns:thm15="http://schemas.microsoft.com/office/thememl/2012/main" xmlns="" name="Office Theme" id="{62F939B6-93AF-4DB8-9C6B-D6C7DFDC589F}" vid="{4A3C46E8-61CC-4603-A589-7422A47A8E4A}"/>
     </a:ext>
   </a:extLst>
 </a:theme>
@@ -5959,7 +5959,7 @@
     </a:clrScheme>
     <a:fontScheme name="Office">
       <a:majorFont>
-        <a:latin typeface="Calibri Light" panose="020F0302020204030204"/>
+        <a:latin typeface="Calibri Light"/>
         <a:ea typeface=""/>
         <a:cs typeface=""/>
         <a:font script="Jpan" typeface="游ゴシック Light"/>
@@ -6011,7 +6011,7 @@
         <a:font script="Tfng" typeface="Ebrima"/>
       </a:majorFont>
       <a:minorFont>
-        <a:latin typeface="Calibri" panose="020F0502020204030204"/>
+        <a:latin typeface="Calibri"/>
         <a:ea typeface=""/>
         <a:cs typeface=""/>
         <a:font script="Jpan" typeface="游ゴシック"/>
@@ -6205,7 +6205,7 @@
   <a:extraClrSchemeLst/>
   <a:extLst>
     <a:ext uri="{05A4C25C-085E-4340-85A3-A5531E510DB2}">
-      <thm15:themeFamily xmlns:thm15="http://schemas.microsoft.com/office/thememl/2012/main" name="Office Theme" id="{62F939B6-93AF-4DB8-9C6B-D6C7DFDC589F}" vid="{4A3C46E8-61CC-4603-A589-7422A47A8E4A}"/>
+      <thm15:themeFamily xmlns:thm15="http://schemas.microsoft.com/office/thememl/2012/main" xmlns="" name="Office Theme" id="{62F939B6-93AF-4DB8-9C6B-D6C7DFDC589F}" vid="{4A3C46E8-61CC-4603-A589-7422A47A8E4A}"/>
     </a:ext>
   </a:extLst>
 </a:theme>
@@ -6254,7 +6254,7 @@
     </a:clrScheme>
     <a:fontScheme name="Office">
       <a:majorFont>
-        <a:latin typeface="Calibri Light" panose="020F0302020204030204"/>
+        <a:latin typeface="Calibri Light"/>
         <a:ea typeface=""/>
         <a:cs typeface=""/>
         <a:font script="Jpan" typeface="游ゴシック Light"/>
@@ -6306,7 +6306,7 @@
         <a:font script="Tfng" typeface="Ebrima"/>
       </a:majorFont>
       <a:minorFont>
-        <a:latin typeface="Calibri" panose="020F0502020204030204"/>
+        <a:latin typeface="Calibri"/>
         <a:ea typeface=""/>
         <a:cs typeface=""/>
         <a:font script="Jpan" typeface="游ゴシック"/>
@@ -6500,7 +6500,7 @@
   <a:extraClrSchemeLst/>
   <a:extLst>
     <a:ext uri="{05A4C25C-085E-4340-85A3-A5531E510DB2}">
-      <thm15:themeFamily xmlns:thm15="http://schemas.microsoft.com/office/thememl/2012/main" name="Office Theme" id="{62F939B6-93AF-4DB8-9C6B-D6C7DFDC589F}" vid="{4A3C46E8-61CC-4603-A589-7422A47A8E4A}"/>
+      <thm15:themeFamily xmlns:thm15="http://schemas.microsoft.com/office/thememl/2012/main" xmlns="" name="Office Theme" id="{62F939B6-93AF-4DB8-9C6B-D6C7DFDC589F}" vid="{4A3C46E8-61CC-4603-A589-7422A47A8E4A}"/>
     </a:ext>
   </a:extLst>
 </a:theme>
